--- a/fNIRS_preproc.pptx
+++ b/fNIRS_preproc.pptx
@@ -3335,7 +3335,7 @@
         </p:nvSpPr>
         <p:spPr>
           <a:xfrm>
-            <a:off x="6682154" y="3326330"/>
+            <a:off x="5249003" y="3178178"/>
             <a:ext cx="4501658" cy="1126427"/>
           </a:xfrm>
           <a:custGeom>
@@ -3623,7 +3623,7 @@
         </p:nvSpPr>
         <p:spPr>
           <a:xfrm>
-            <a:off x="6682154" y="1895778"/>
+            <a:off x="5249003" y="1747626"/>
             <a:ext cx="4501658" cy="1126427"/>
           </a:xfrm>
           <a:custGeom>
@@ -3926,8 +3926,8 @@
         </p:blipFill>
         <p:spPr bwMode="auto">
           <a:xfrm>
-            <a:off x="522445" y="372474"/>
-            <a:ext cx="4624039" cy="3046608"/>
+            <a:off x="486906" y="302758"/>
+            <a:ext cx="4385942" cy="2889735"/>
           </a:xfrm>
           <a:prstGeom prst="rect">
             <a:avLst/>
@@ -3958,8 +3958,8 @@
         </p:nvSpPr>
         <p:spPr>
           <a:xfrm>
-            <a:off x="2130306" y="568690"/>
-            <a:ext cx="1048625" cy="907481"/>
+            <a:off x="2089704" y="527436"/>
+            <a:ext cx="876300" cy="775170"/>
           </a:xfrm>
           <a:prstGeom prst="rect">
             <a:avLst/>
@@ -4010,8 +4010,8 @@
         </p:nvSpPr>
         <p:spPr>
           <a:xfrm>
-            <a:off x="2985142" y="1047120"/>
-            <a:ext cx="1048625" cy="907481"/>
+            <a:off x="2874129" y="950468"/>
+            <a:ext cx="876300" cy="775170"/>
           </a:xfrm>
           <a:prstGeom prst="rect">
             <a:avLst/>
@@ -4062,7 +4062,7 @@
         </p:nvSpPr>
         <p:spPr>
           <a:xfrm>
-            <a:off x="6963196" y="606680"/>
+            <a:off x="5530045" y="458528"/>
             <a:ext cx="914400" cy="914400"/>
           </a:xfrm>
           <a:prstGeom prst="rect">
@@ -4164,7 +4164,7 @@
         </p:nvSpPr>
         <p:spPr>
           <a:xfrm>
-            <a:off x="9995837" y="606680"/>
+            <a:off x="8562686" y="458528"/>
             <a:ext cx="914400" cy="914400"/>
           </a:xfrm>
           <a:prstGeom prst="rect">
@@ -4323,7 +4323,7 @@
         </p:nvSpPr>
         <p:spPr>
           <a:xfrm>
-            <a:off x="8510506" y="606680"/>
+            <a:off x="7077355" y="458528"/>
             <a:ext cx="914400" cy="914400"/>
           </a:xfrm>
           <a:prstGeom prst="rect">
@@ -4425,7 +4425,7 @@
         </p:nvSpPr>
         <p:spPr>
           <a:xfrm>
-            <a:off x="6963196" y="1985103"/>
+            <a:off x="5530045" y="1836951"/>
             <a:ext cx="914400" cy="914400"/>
           </a:xfrm>
           <a:prstGeom prst="rect">
@@ -4577,7 +4577,7 @@
         </p:nvSpPr>
         <p:spPr>
           <a:xfrm>
-            <a:off x="8510506" y="1985103"/>
+            <a:off x="7077355" y="1836951"/>
             <a:ext cx="914400" cy="914400"/>
           </a:xfrm>
           <a:prstGeom prst="rect">
@@ -4729,7 +4729,7 @@
         </p:nvSpPr>
         <p:spPr>
           <a:xfrm>
-            <a:off x="6978555" y="4975016"/>
+            <a:off x="5545404" y="4826864"/>
             <a:ext cx="914400" cy="914400"/>
           </a:xfrm>
           <a:prstGeom prst="rect">
@@ -4798,7 +4798,7 @@
         </p:nvSpPr>
         <p:spPr>
           <a:xfrm>
-            <a:off x="8819475" y="5389696"/>
+            <a:off x="7386324" y="5241544"/>
             <a:ext cx="914400" cy="914400"/>
           </a:xfrm>
           <a:prstGeom prst="rect">
@@ -4867,7 +4867,7 @@
         </p:nvSpPr>
         <p:spPr>
           <a:xfrm>
-            <a:off x="8510506" y="3480059"/>
+            <a:off x="7077355" y="3331907"/>
             <a:ext cx="914400" cy="914400"/>
           </a:xfrm>
           <a:prstGeom prst="rect">
@@ -4962,7 +4962,7 @@
         </p:nvSpPr>
         <p:spPr>
           <a:xfrm>
-            <a:off x="8341690" y="4975016"/>
+            <a:off x="6908539" y="4826864"/>
             <a:ext cx="914400" cy="914400"/>
           </a:xfrm>
           <a:prstGeom prst="rect">
@@ -5046,7 +5046,7 @@
         </p:nvSpPr>
         <p:spPr>
           <a:xfrm>
-            <a:off x="10057816" y="1965277"/>
+            <a:off x="8624665" y="1817125"/>
             <a:ext cx="914400" cy="914400"/>
           </a:xfrm>
           <a:prstGeom prst="rect">
@@ -5200,7 +5200,7 @@
         </p:nvCxnSpPr>
         <p:spPr>
           <a:xfrm>
-            <a:off x="7434464" y="1589648"/>
+            <a:off x="6001313" y="1441496"/>
             <a:ext cx="0" cy="306130"/>
           </a:xfrm>
           <a:prstGeom prst="straightConnector1">
@@ -5241,7 +5241,7 @@
         </p:nvCxnSpPr>
         <p:spPr>
           <a:xfrm>
-            <a:off x="8946087" y="1589648"/>
+            <a:off x="7512936" y="1441496"/>
             <a:ext cx="0" cy="306130"/>
           </a:xfrm>
           <a:prstGeom prst="straightConnector1">
@@ -5282,7 +5282,7 @@
         </p:nvCxnSpPr>
         <p:spPr>
           <a:xfrm>
-            <a:off x="10453037" y="1589648"/>
+            <a:off x="9019886" y="1441496"/>
             <a:ext cx="0" cy="306130"/>
           </a:xfrm>
           <a:prstGeom prst="straightConnector1">
@@ -5323,7 +5323,7 @@
         </p:nvCxnSpPr>
         <p:spPr>
           <a:xfrm>
-            <a:off x="7434464" y="3022208"/>
+            <a:off x="6001313" y="2874056"/>
             <a:ext cx="0" cy="306130"/>
           </a:xfrm>
           <a:prstGeom prst="straightConnector1">
@@ -5364,7 +5364,7 @@
         </p:nvCxnSpPr>
         <p:spPr>
           <a:xfrm>
-            <a:off x="8946087" y="3022208"/>
+            <a:off x="7512936" y="2874056"/>
             <a:ext cx="0" cy="306130"/>
           </a:xfrm>
           <a:prstGeom prst="straightConnector1">
@@ -5405,7 +5405,7 @@
         </p:nvCxnSpPr>
         <p:spPr>
           <a:xfrm>
-            <a:off x="10453037" y="3022208"/>
+            <a:off x="9019886" y="2874056"/>
             <a:ext cx="0" cy="306130"/>
           </a:xfrm>
           <a:prstGeom prst="straightConnector1">
@@ -5446,7 +5446,7 @@
         </p:nvCxnSpPr>
         <p:spPr>
           <a:xfrm>
-            <a:off x="7434464" y="4517500"/>
+            <a:off x="6001313" y="4369348"/>
             <a:ext cx="0" cy="306130"/>
           </a:xfrm>
           <a:prstGeom prst="straightConnector1">
@@ -5487,7 +5487,7 @@
         </p:nvCxnSpPr>
         <p:spPr>
           <a:xfrm>
-            <a:off x="8946087" y="4517500"/>
+            <a:off x="7512936" y="4369348"/>
             <a:ext cx="0" cy="306130"/>
           </a:xfrm>
           <a:prstGeom prst="straightConnector1">
@@ -5528,7 +5528,7 @@
         </p:nvCxnSpPr>
         <p:spPr>
           <a:xfrm>
-            <a:off x="10453037" y="4517500"/>
+            <a:off x="9019886" y="4369348"/>
             <a:ext cx="0" cy="306130"/>
           </a:xfrm>
           <a:prstGeom prst="straightConnector1">
@@ -5567,7 +5567,7 @@
         </p:nvSpPr>
         <p:spPr>
           <a:xfrm>
-            <a:off x="7132009" y="3673546"/>
+            <a:off x="5698858" y="3525394"/>
             <a:ext cx="576773" cy="608922"/>
           </a:xfrm>
           <a:prstGeom prst="noSmoking">
@@ -5633,7 +5633,7 @@
         </p:nvSpPr>
         <p:spPr>
           <a:xfrm>
-            <a:off x="10164650" y="3632798"/>
+            <a:off x="8731499" y="3484646"/>
             <a:ext cx="576773" cy="608922"/>
           </a:xfrm>
           <a:prstGeom prst="noSmoking">
@@ -5698,7 +5698,7 @@
         </p:nvSpPr>
         <p:spPr>
           <a:xfrm>
-            <a:off x="10189651" y="5127755"/>
+            <a:off x="8756500" y="4979603"/>
             <a:ext cx="576773" cy="608922"/>
           </a:xfrm>
           <a:prstGeom prst="noSmoking">
@@ -5765,7 +5765,7 @@
         </p:nvCxnSpPr>
         <p:spPr>
           <a:xfrm>
-            <a:off x="8048610" y="1063880"/>
+            <a:off x="6615459" y="915728"/>
             <a:ext cx="279012" cy="0"/>
           </a:xfrm>
           <a:prstGeom prst="straightConnector1">
@@ -5807,7 +5807,7 @@
         </p:nvSpPr>
         <p:spPr>
           <a:xfrm>
-            <a:off x="5404277" y="2236764"/>
+            <a:off x="10017197" y="1941507"/>
             <a:ext cx="1084208" cy="369332"/>
           </a:xfrm>
           <a:prstGeom prst="rect">
@@ -5850,8 +5850,8 @@
         </p:nvSpPr>
         <p:spPr>
           <a:xfrm>
-            <a:off x="5404277" y="3480059"/>
-            <a:ext cx="1173719" cy="646331"/>
+            <a:off x="9974141" y="3125838"/>
+            <a:ext cx="2049463" cy="1231106"/>
           </a:xfrm>
           <a:prstGeom prst="rect">
             <a:avLst/>
@@ -5859,7 +5859,7 @@
           <a:noFill/>
         </p:spPr>
         <p:txBody>
-          <a:bodyPr wrap="none" rtlCol="0">
+          <a:bodyPr wrap="square" rtlCol="0">
             <a:spAutoFit/>
           </a:bodyPr>
           <a:lstStyle/>
@@ -5879,7 +5879,7 @@
           </a:p>
           <a:p>
             <a:r>
-              <a:rPr lang="pt-BR" dirty="0">
+              <a:rPr lang="pt-BR" sz="1400" dirty="0">
                 <a:effectLst>
                   <a:outerShdw blurRad="38100" dist="38100" dir="2700000" algn="tl">
                     <a:srgbClr val="000000">
@@ -5888,7 +5888,49 @@
                   </a:outerShdw>
                 </a:effectLst>
               </a:rPr>
-              <a:t>dos Dados</a:t>
+              <a:t>. Exclusão de Sujeitos</a:t>
+            </a:r>
+          </a:p>
+          <a:p>
+            <a:r>
+              <a:rPr lang="pt-BR" sz="1400" dirty="0">
+                <a:effectLst>
+                  <a:outerShdw blurRad="38100" dist="38100" dir="2700000" algn="tl">
+                    <a:srgbClr val="000000">
+                      <a:alpha val="43137"/>
+                    </a:srgbClr>
+                  </a:outerShdw>
+                </a:effectLst>
+              </a:rPr>
+              <a:t>. Exclusão de Canais</a:t>
+            </a:r>
+          </a:p>
+          <a:p>
+            <a:r>
+              <a:rPr lang="pt-BR" sz="1400" dirty="0">
+                <a:effectLst>
+                  <a:outerShdw blurRad="38100" dist="38100" dir="2700000" algn="tl">
+                    <a:srgbClr val="000000">
+                      <a:alpha val="43137"/>
+                    </a:srgbClr>
+                  </a:outerShdw>
+                </a:effectLst>
+              </a:rPr>
+              <a:t>. Janelas de tempo</a:t>
+            </a:r>
+          </a:p>
+          <a:p>
+            <a:r>
+              <a:rPr lang="pt-BR" sz="1400" dirty="0">
+                <a:effectLst>
+                  <a:outerShdw blurRad="38100" dist="38100" dir="2700000" algn="tl">
+                    <a:srgbClr val="000000">
+                      <a:alpha val="43137"/>
+                    </a:srgbClr>
+                  </a:outerShdw>
+                </a:effectLst>
+              </a:rPr>
+              <a:t>. Outros ajustes</a:t>
             </a:r>
           </a:p>
         </p:txBody>
@@ -5907,7 +5949,7 @@
         </p:nvSpPr>
         <p:spPr>
           <a:xfrm>
-            <a:off x="8116435" y="294110"/>
+            <a:off x="6683284" y="145958"/>
             <a:ext cx="1766883" cy="6191094"/>
           </a:xfrm>
           <a:prstGeom prst="rect">

--- a/fNIRS_preproc.pptx
+++ b/fNIRS_preproc.pptx
@@ -4779,7 +4779,28 @@
                   </a:outerShdw>
                 </a:effectLst>
               </a:rPr>
-              <a:t>Home3</a:t>
+              <a:t>Home</a:t>
+            </a:r>
+          </a:p>
+          <a:p>
+            <a:pPr algn="ctr"/>
+            <a:r>
+              <a:rPr lang="pt-BR" dirty="0">
+                <a:solidFill>
+                  <a:schemeClr val="tx1">
+                    <a:lumMod val="75000"/>
+                    <a:lumOff val="25000"/>
+                  </a:schemeClr>
+                </a:solidFill>
+                <a:effectLst>
+                  <a:outerShdw blurRad="38100" dist="38100" dir="2700000" algn="tl">
+                    <a:srgbClr val="000000">
+                      <a:alpha val="43137"/>
+                    </a:srgbClr>
+                  </a:outerShdw>
+                </a:effectLst>
+              </a:rPr>
+              <a:t>3</a:t>
             </a:r>
           </a:p>
         </p:txBody>
@@ -4848,7 +4869,7 @@
                   </a:outerShdw>
                 </a:effectLst>
               </a:rPr>
-              <a:t>Home3</a:t>
+              <a:t>Homer3</a:t>
             </a:r>
           </a:p>
         </p:txBody>
